--- a/lecture-slides/2019-11-18-oop.pptx
+++ b/lecture-slides/2019-11-18-oop.pptx
@@ -5,18 +5,19 @@
     <p:sldMasterId id="2147483648" r:id="rId1"/>
   </p:sldMasterIdLst>
   <p:notesMasterIdLst>
-    <p:notesMasterId r:id="rId11"/>
+    <p:notesMasterId r:id="rId12"/>
   </p:notesMasterIdLst>
   <p:sldIdLst>
     <p:sldId id="305" r:id="rId2"/>
     <p:sldId id="656" r:id="rId3"/>
-    <p:sldId id="652" r:id="rId4"/>
+    <p:sldId id="669" r:id="rId4"/>
     <p:sldId id="668" r:id="rId5"/>
     <p:sldId id="635" r:id="rId6"/>
     <p:sldId id="558" r:id="rId7"/>
     <p:sldId id="657" r:id="rId8"/>
     <p:sldId id="633" r:id="rId9"/>
     <p:sldId id="613" r:id="rId10"/>
+    <p:sldId id="652" r:id="rId11"/>
   </p:sldIdLst>
   <p:sldSz cx="12192000" cy="6858000"/>
   <p:notesSz cx="6858000" cy="9144000"/>
@@ -122,13 +123,14 @@
           <p14:sldIdLst>
             <p14:sldId id="305"/>
             <p14:sldId id="656"/>
-            <p14:sldId id="652"/>
+            <p14:sldId id="669"/>
             <p14:sldId id="668"/>
             <p14:sldId id="635"/>
             <p14:sldId id="558"/>
             <p14:sldId id="657"/>
             <p14:sldId id="633"/>
             <p14:sldId id="613"/>
+            <p14:sldId id="652"/>
           </p14:sldIdLst>
         </p14:section>
       </p14:sectionLst>
@@ -4252,7 +4254,7 @@
             </a:pPr>
             <a:r>
               <a:rPr lang="en-US" sz="2000" dirty="0"/>
-              <a:t>Demo Volunteers… last chance</a:t>
+              <a:t>Demo Volunteers</a:t>
             </a:r>
           </a:p>
           <a:p>
@@ -4364,6 +4366,389 @@
   <p:clrMapOvr>
     <a:masterClrMapping/>
   </p:clrMapOvr>
+</p:sld>
+</file>
+
+<file path=ppt/slides/slide10.xml><?xml version="1.0" encoding="utf-8"?>
+<p:sld xmlns:a="http://schemas.openxmlformats.org/drawingml/2006/main" xmlns:r="http://schemas.openxmlformats.org/officeDocument/2006/relationships" xmlns:p="http://schemas.openxmlformats.org/presentationml/2006/main">
+  <p:cSld>
+    <p:spTree>
+      <p:nvGrpSpPr>
+        <p:cNvPr id="1" name=""/>
+        <p:cNvGrpSpPr/>
+        <p:nvPr/>
+      </p:nvGrpSpPr>
+      <p:grpSpPr>
+        <a:xfrm>
+          <a:off x="0" y="0"/>
+          <a:ext cx="0" cy="0"/>
+          <a:chOff x="0" y="0"/>
+          <a:chExt cx="0" cy="0"/>
+        </a:xfrm>
+      </p:grpSpPr>
+      <p:graphicFrame>
+        <p:nvGraphicFramePr>
+          <p:cNvPr id="2" name="Object 1">
+            <a:extLst>
+              <a:ext uri="{FF2B5EF4-FFF2-40B4-BE49-F238E27FC236}">
+                <a16:creationId xmlns:a16="http://schemas.microsoft.com/office/drawing/2014/main" id="{FE608CC4-214A-48B7-B219-A6B37DD5CCC7}"/>
+              </a:ext>
+            </a:extLst>
+          </p:cNvPr>
+          <p:cNvGraphicFramePr>
+            <a:graphicFrameLocks noChangeAspect="1"/>
+          </p:cNvGraphicFramePr>
+          <p:nvPr>
+            <p:extLst>
+              <p:ext uri="{D42A27DB-BD31-4B8C-83A1-F6EECF244321}">
+                <p14:modId xmlns:p14="http://schemas.microsoft.com/office/powerpoint/2010/main" val="2824998364"/>
+              </p:ext>
+            </p:extLst>
+          </p:nvPr>
+        </p:nvGraphicFramePr>
+        <p:xfrm>
+          <a:off x="3159125" y="1528763"/>
+          <a:ext cx="5133975" cy="5375275"/>
+        </p:xfrm>
+        <a:graphic>
+          <a:graphicData uri="http://schemas.openxmlformats.org/presentationml/2006/ole">
+            <mc:AlternateContent xmlns:mc="http://schemas.openxmlformats.org/markup-compatibility/2006">
+              <mc:Choice xmlns:v="urn:schemas-microsoft-com:vml" Requires="v">
+                <p:oleObj spid="_x0000_s1036" name="Worksheet" r:id="rId3" imgW="6372258" imgH="6677005" progId="Excel.Sheet.12">
+                  <p:embed/>
+                </p:oleObj>
+              </mc:Choice>
+              <mc:Fallback>
+                <p:oleObj name="Worksheet" r:id="rId3" imgW="6372258" imgH="6677005" progId="Excel.Sheet.12">
+                  <p:embed/>
+                  <p:pic>
+                    <p:nvPicPr>
+                      <p:cNvPr id="2" name="Object 1">
+                        <a:extLst>
+                          <a:ext uri="{FF2B5EF4-FFF2-40B4-BE49-F238E27FC236}">
+                            <a16:creationId xmlns:a16="http://schemas.microsoft.com/office/drawing/2014/main" id="{FE608CC4-214A-48B7-B219-A6B37DD5CCC7}"/>
+                          </a:ext>
+                        </a:extLst>
+                      </p:cNvPr>
+                      <p:cNvPicPr/>
+                      <p:nvPr/>
+                    </p:nvPicPr>
+                    <p:blipFill>
+                      <a:blip r:embed="rId4"/>
+                      <a:stretch>
+                        <a:fillRect/>
+                      </a:stretch>
+                    </p:blipFill>
+                    <p:spPr>
+                      <a:xfrm>
+                        <a:off x="3159125" y="1528763"/>
+                        <a:ext cx="5133975" cy="5375275"/>
+                      </a:xfrm>
+                      <a:prstGeom prst="rect">
+                        <a:avLst/>
+                      </a:prstGeom>
+                    </p:spPr>
+                  </p:pic>
+                </p:oleObj>
+              </mc:Fallback>
+            </mc:AlternateContent>
+          </a:graphicData>
+        </a:graphic>
+      </p:graphicFrame>
+      <p:sp>
+        <p:nvSpPr>
+          <p:cNvPr id="5" name="Rectangle 4">
+            <a:extLst>
+              <a:ext uri="{FF2B5EF4-FFF2-40B4-BE49-F238E27FC236}">
+                <a16:creationId xmlns:a16="http://schemas.microsoft.com/office/drawing/2014/main" id="{13931244-379F-7144-AB65-324CCF035FF3}"/>
+              </a:ext>
+            </a:extLst>
+          </p:cNvPr>
+          <p:cNvSpPr/>
+          <p:nvPr/>
+        </p:nvSpPr>
+        <p:spPr>
+          <a:xfrm>
+            <a:off x="3564197" y="1772919"/>
+            <a:ext cx="4365683" cy="3658423"/>
+          </a:xfrm>
+          <a:prstGeom prst="rect">
+            <a:avLst/>
+          </a:prstGeom>
+          <a:noFill/>
+          <a:ln w="25400">
+            <a:solidFill>
+              <a:schemeClr val="accent6">
+                <a:lumMod val="40000"/>
+                <a:lumOff val="60000"/>
+              </a:schemeClr>
+            </a:solidFill>
+          </a:ln>
+        </p:spPr>
+        <p:style>
+          <a:lnRef idx="2">
+            <a:schemeClr val="accent1">
+              <a:shade val="50000"/>
+            </a:schemeClr>
+          </a:lnRef>
+          <a:fillRef idx="1">
+            <a:schemeClr val="accent1"/>
+          </a:fillRef>
+          <a:effectRef idx="0">
+            <a:schemeClr val="accent1"/>
+          </a:effectRef>
+          <a:fontRef idx="minor">
+            <a:schemeClr val="lt1"/>
+          </a:fontRef>
+        </p:style>
+        <p:txBody>
+          <a:bodyPr rtlCol="0" anchor="ctr"/>
+          <a:lstStyle/>
+          <a:p>
+            <a:pPr algn="ctr"/>
+            <a:endParaRPr lang="en-US"/>
+          </a:p>
+        </p:txBody>
+      </p:sp>
+      <p:sp>
+        <p:nvSpPr>
+          <p:cNvPr id="3" name="Rectangle 2">
+            <a:extLst>
+              <a:ext uri="{FF2B5EF4-FFF2-40B4-BE49-F238E27FC236}">
+                <a16:creationId xmlns:a16="http://schemas.microsoft.com/office/drawing/2014/main" id="{950932F7-C8C1-F04A-B5A7-9EF956047090}"/>
+              </a:ext>
+            </a:extLst>
+          </p:cNvPr>
+          <p:cNvSpPr/>
+          <p:nvPr/>
+        </p:nvSpPr>
+        <p:spPr>
+          <a:xfrm>
+            <a:off x="3582761" y="5431343"/>
+            <a:ext cx="4365683" cy="695982"/>
+          </a:xfrm>
+          <a:prstGeom prst="rect">
+            <a:avLst/>
+          </a:prstGeom>
+          <a:noFill/>
+          <a:ln w="25400">
+            <a:solidFill>
+              <a:schemeClr val="accent6">
+                <a:lumMod val="75000"/>
+              </a:schemeClr>
+            </a:solidFill>
+          </a:ln>
+        </p:spPr>
+        <p:style>
+          <a:lnRef idx="2">
+            <a:schemeClr val="accent1">
+              <a:shade val="50000"/>
+            </a:schemeClr>
+          </a:lnRef>
+          <a:fillRef idx="1">
+            <a:schemeClr val="accent1"/>
+          </a:fillRef>
+          <a:effectRef idx="0">
+            <a:schemeClr val="accent1"/>
+          </a:effectRef>
+          <a:fontRef idx="minor">
+            <a:schemeClr val="lt1"/>
+          </a:fontRef>
+        </p:style>
+        <p:txBody>
+          <a:bodyPr rtlCol="0" anchor="ctr"/>
+          <a:lstStyle/>
+          <a:p>
+            <a:pPr algn="ctr"/>
+            <a:endParaRPr lang="en-US"/>
+          </a:p>
+        </p:txBody>
+      </p:sp>
+      <p:sp>
+        <p:nvSpPr>
+          <p:cNvPr id="4" name="Title 1">
+            <a:extLst>
+              <a:ext uri="{FF2B5EF4-FFF2-40B4-BE49-F238E27FC236}">
+                <a16:creationId xmlns:a16="http://schemas.microsoft.com/office/drawing/2014/main" id="{128762F8-8D55-C542-9C71-761299E3E554}"/>
+              </a:ext>
+            </a:extLst>
+          </p:cNvPr>
+          <p:cNvSpPr>
+            <a:spLocks noGrp="1"/>
+          </p:cNvSpPr>
+          <p:nvPr>
+            <p:ph type="title"/>
+          </p:nvPr>
+        </p:nvSpPr>
+        <p:spPr>
+          <a:xfrm>
+            <a:off x="838200" y="365125"/>
+            <a:ext cx="10515600" cy="1325563"/>
+          </a:xfrm>
+        </p:spPr>
+        <p:txBody>
+          <a:bodyPr>
+            <a:normAutofit/>
+          </a:bodyPr>
+          <a:lstStyle/>
+          <a:p>
+            <a:r>
+              <a:rPr lang="en-US" sz="4000" dirty="0"/>
+              <a:t>SwissArmyKnife v2 Demos - Wednesday</a:t>
+            </a:r>
+          </a:p>
+        </p:txBody>
+      </p:sp>
+    </p:spTree>
+    <p:extLst>
+      <p:ext uri="{BB962C8B-B14F-4D97-AF65-F5344CB8AC3E}">
+        <p14:creationId xmlns:p14="http://schemas.microsoft.com/office/powerpoint/2010/main" val="490832386"/>
+      </p:ext>
+    </p:extLst>
+  </p:cSld>
+  <p:clrMapOvr>
+    <a:masterClrMapping/>
+  </p:clrMapOvr>
+  <p:timing>
+    <p:tnLst>
+      <p:par>
+        <p:cTn id="1" dur="indefinite" restart="never" nodeType="tmRoot">
+          <p:childTnLst>
+            <p:seq concurrent="1" nextAc="seek">
+              <p:cTn id="2" dur="indefinite" nodeType="mainSeq">
+                <p:childTnLst>
+                  <p:par>
+                    <p:cTn id="3" fill="hold">
+                      <p:stCondLst>
+                        <p:cond delay="indefinite"/>
+                      </p:stCondLst>
+                      <p:childTnLst>
+                        <p:par>
+                          <p:cTn id="4" fill="hold">
+                            <p:stCondLst>
+                              <p:cond delay="0"/>
+                            </p:stCondLst>
+                            <p:childTnLst>
+                              <p:par>
+                                <p:cTn id="5" presetID="9" presetClass="entr" presetSubtype="0" fill="hold" grpId="0" nodeType="clickEffect">
+                                  <p:stCondLst>
+                                    <p:cond delay="0"/>
+                                  </p:stCondLst>
+                                  <p:childTnLst>
+                                    <p:set>
+                                      <p:cBhvr>
+                                        <p:cTn id="6" dur="1" fill="hold">
+                                          <p:stCondLst>
+                                            <p:cond delay="0"/>
+                                          </p:stCondLst>
+                                        </p:cTn>
+                                        <p:tgtEl>
+                                          <p:spTgt spid="5"/>
+                                        </p:tgtEl>
+                                        <p:attrNameLst>
+                                          <p:attrName>style.visibility</p:attrName>
+                                        </p:attrNameLst>
+                                      </p:cBhvr>
+                                      <p:to>
+                                        <p:strVal val="visible"/>
+                                      </p:to>
+                                    </p:set>
+                                    <p:animEffect transition="in" filter="dissolve">
+                                      <p:cBhvr>
+                                        <p:cTn id="7" dur="500"/>
+                                        <p:tgtEl>
+                                          <p:spTgt spid="5"/>
+                                        </p:tgtEl>
+                                      </p:cBhvr>
+                                    </p:animEffect>
+                                  </p:childTnLst>
+                                </p:cTn>
+                              </p:par>
+                            </p:childTnLst>
+                          </p:cTn>
+                        </p:par>
+                      </p:childTnLst>
+                    </p:cTn>
+                  </p:par>
+                  <p:par>
+                    <p:cTn id="8" fill="hold">
+                      <p:stCondLst>
+                        <p:cond delay="indefinite"/>
+                      </p:stCondLst>
+                      <p:childTnLst>
+                        <p:par>
+                          <p:cTn id="9" fill="hold">
+                            <p:stCondLst>
+                              <p:cond delay="0"/>
+                            </p:stCondLst>
+                            <p:childTnLst>
+                              <p:par>
+                                <p:cTn id="10" presetID="9" presetClass="entr" presetSubtype="0" fill="hold" grpId="0" nodeType="clickEffect">
+                                  <p:stCondLst>
+                                    <p:cond delay="0"/>
+                                  </p:stCondLst>
+                                  <p:childTnLst>
+                                    <p:set>
+                                      <p:cBhvr>
+                                        <p:cTn id="11" dur="1" fill="hold">
+                                          <p:stCondLst>
+                                            <p:cond delay="0"/>
+                                          </p:stCondLst>
+                                        </p:cTn>
+                                        <p:tgtEl>
+                                          <p:spTgt spid="3"/>
+                                        </p:tgtEl>
+                                        <p:attrNameLst>
+                                          <p:attrName>style.visibility</p:attrName>
+                                        </p:attrNameLst>
+                                      </p:cBhvr>
+                                      <p:to>
+                                        <p:strVal val="visible"/>
+                                      </p:to>
+                                    </p:set>
+                                    <p:animEffect transition="in" filter="dissolve">
+                                      <p:cBhvr>
+                                        <p:cTn id="12" dur="500"/>
+                                        <p:tgtEl>
+                                          <p:spTgt spid="3"/>
+                                        </p:tgtEl>
+                                      </p:cBhvr>
+                                    </p:animEffect>
+                                  </p:childTnLst>
+                                </p:cTn>
+                              </p:par>
+                            </p:childTnLst>
+                          </p:cTn>
+                        </p:par>
+                      </p:childTnLst>
+                    </p:cTn>
+                  </p:par>
+                </p:childTnLst>
+              </p:cTn>
+              <p:prevCondLst>
+                <p:cond evt="onPrev" delay="0">
+                  <p:tgtEl>
+                    <p:sldTgt/>
+                  </p:tgtEl>
+                </p:cond>
+              </p:prevCondLst>
+              <p:nextCondLst>
+                <p:cond evt="onNext" delay="0">
+                  <p:tgtEl>
+                    <p:sldTgt/>
+                  </p:tgtEl>
+                </p:cond>
+              </p:nextCondLst>
+            </p:seq>
+          </p:childTnLst>
+        </p:cTn>
+      </p:par>
+    </p:tnLst>
+    <p:bldLst>
+      <p:bldP spid="5" grpId="0" animBg="1"/>
+      <p:bldP spid="3" grpId="0" animBg="1"/>
+    </p:bldLst>
+  </p:timing>
 </p:sld>
 </file>
 
@@ -4766,13 +5151,7 @@
           <p:cNvGraphicFramePr>
             <a:graphicFrameLocks noChangeAspect="1"/>
           </p:cNvGraphicFramePr>
-          <p:nvPr>
-            <p:extLst>
-              <p:ext uri="{D42A27DB-BD31-4B8C-83A1-F6EECF244321}">
-                <p14:modId xmlns:p14="http://schemas.microsoft.com/office/powerpoint/2010/main" val="2824998364"/>
-              </p:ext>
-            </p:extLst>
-          </p:nvPr>
+          <p:nvPr/>
         </p:nvGraphicFramePr>
         <p:xfrm>
           <a:off x="3159125" y="1528763"/>
@@ -4782,7 +5161,7 @@
           <a:graphicData uri="http://schemas.openxmlformats.org/presentationml/2006/ole">
             <mc:AlternateContent xmlns:mc="http://schemas.openxmlformats.org/markup-compatibility/2006">
               <mc:Choice xmlns:v="urn:schemas-microsoft-com:vml" Requires="v">
-                <p:oleObj spid="_x0000_s1034" name="Worksheet" r:id="rId3" imgW="6372258" imgH="6677005" progId="Excel.Sheet.12">
+                <p:oleObj spid="_x0000_s3075" name="Worksheet" r:id="rId3" imgW="6372258" imgH="6677005" progId="Excel.Sheet.12">
                   <p:embed/>
                 </p:oleObj>
               </mc:Choice>
@@ -4837,8 +5216,8 @@
         </p:nvSpPr>
         <p:spPr>
           <a:xfrm>
-            <a:off x="3564197" y="1772919"/>
-            <a:ext cx="4365683" cy="3658423"/>
+            <a:off x="3564197" y="1772920"/>
+            <a:ext cx="4365683" cy="2721386"/>
           </a:xfrm>
           <a:prstGeom prst="rect">
             <a:avLst/>
@@ -4892,8 +5271,8 @@
         </p:nvSpPr>
         <p:spPr>
           <a:xfrm>
-            <a:off x="3582761" y="5431343"/>
-            <a:ext cx="4365683" cy="695982"/>
+            <a:off x="3582761" y="4506260"/>
+            <a:ext cx="4365683" cy="926352"/>
           </a:xfrm>
           <a:prstGeom prst="rect">
             <a:avLst/>
@@ -4970,7 +5349,7 @@
     </p:spTree>
     <p:extLst>
       <p:ext uri="{BB962C8B-B14F-4D97-AF65-F5344CB8AC3E}">
-        <p14:creationId xmlns:p14="http://schemas.microsoft.com/office/powerpoint/2010/main" val="490832386"/>
+        <p14:creationId xmlns:p14="http://schemas.microsoft.com/office/powerpoint/2010/main" val="3600257253"/>
       </p:ext>
     </p:extLst>
   </p:cSld>
@@ -5166,7 +5545,7 @@
             </a:pPr>
             <a:r>
               <a:rPr lang="en-US" sz="3600" dirty="0"/>
-              <a:t>Demo Volunteers… last chance</a:t>
+              <a:t>Demo Volunteers</a:t>
             </a:r>
           </a:p>
         </p:txBody>
@@ -5257,7 +5636,7 @@
           <a:graphicData uri="http://schemas.openxmlformats.org/presentationml/2006/ole">
             <mc:AlternateContent xmlns:mc="http://schemas.openxmlformats.org/markup-compatibility/2006">
               <mc:Choice xmlns:v="urn:schemas-microsoft-com:vml" Requires="v">
-                <p:oleObj spid="_x0000_s2052" name="Worksheet" r:id="rId4" imgW="8979091" imgH="3206999" progId="Excel.Sheet.12">
+                <p:oleObj spid="_x0000_s2054" name="Worksheet" r:id="rId4" imgW="8979091" imgH="3206999" progId="Excel.Sheet.12">
                   <p:embed/>
                 </p:oleObj>
               </mc:Choice>
@@ -5809,15 +6188,15 @@
               <a:buNone/>
             </a:pPr>
             <a:r>
-              <a:rPr lang="en-US" sz="2000" dirty="0"/>
+              <a:rPr lang="en-US" sz="2000" b="1" dirty="0"/>
               <a:t>PA7 Thunderbird due Sunday, November 24</a:t>
             </a:r>
             <a:r>
-              <a:rPr lang="en-US" sz="2000" baseline="30000" dirty="0"/>
+              <a:rPr lang="en-US" sz="2000" b="1" baseline="30000" dirty="0"/>
               <a:t>th</a:t>
             </a:r>
             <a:r>
-              <a:rPr lang="en-US" sz="2000" dirty="0"/>
+              <a:rPr lang="en-US" sz="2000" b="1" dirty="0"/>
               <a:t> by 11:59pm CT</a:t>
             </a:r>
           </a:p>

--- a/lecture-slides/2019-11-18-oop.pptx
+++ b/lecture-slides/2019-11-18-oop.pptx
@@ -4228,7 +4228,7 @@
             </a:pPr>
             <a:r>
               <a:rPr lang="en-US" sz="2000" dirty="0"/>
-              <a:t>Sprint 5 Retrospective</a:t>
+              <a:t>Sprint 6 Retrospective</a:t>
             </a:r>
           </a:p>
           <a:p>
@@ -4414,7 +4414,7 @@
           <a:graphicData uri="http://schemas.openxmlformats.org/presentationml/2006/ole">
             <mc:AlternateContent xmlns:mc="http://schemas.openxmlformats.org/markup-compatibility/2006">
               <mc:Choice xmlns:v="urn:schemas-microsoft-com:vml" Requires="v">
-                <p:oleObj spid="_x0000_s1036" name="Worksheet" r:id="rId3" imgW="6372258" imgH="6677005" progId="Excel.Sheet.12">
+                <p:oleObj spid="_x0000_s1038" name="Worksheet" r:id="rId3" imgW="6372258" imgH="6677005" progId="Excel.Sheet.12">
                   <p:embed/>
                 </p:oleObj>
               </mc:Choice>
@@ -5161,7 +5161,7 @@
           <a:graphicData uri="http://schemas.openxmlformats.org/presentationml/2006/ole">
             <mc:AlternateContent xmlns:mc="http://schemas.openxmlformats.org/markup-compatibility/2006">
               <mc:Choice xmlns:v="urn:schemas-microsoft-com:vml" Requires="v">
-                <p:oleObj spid="_x0000_s3075" name="Worksheet" r:id="rId3" imgW="6372258" imgH="6677005" progId="Excel.Sheet.12">
+                <p:oleObj spid="_x0000_s3077" name="Worksheet" r:id="rId3" imgW="6372258" imgH="6677005" progId="Excel.Sheet.12">
                   <p:embed/>
                 </p:oleObj>
               </mc:Choice>
@@ -5636,7 +5636,7 @@
           <a:graphicData uri="http://schemas.openxmlformats.org/presentationml/2006/ole">
             <mc:AlternateContent xmlns:mc="http://schemas.openxmlformats.org/markup-compatibility/2006">
               <mc:Choice xmlns:v="urn:schemas-microsoft-com:vml" Requires="v">
-                <p:oleObj spid="_x0000_s2054" name="Worksheet" r:id="rId4" imgW="8979091" imgH="3206999" progId="Excel.Sheet.12">
+                <p:oleObj spid="_x0000_s2056" name="Worksheet" r:id="rId4" imgW="8979091" imgH="3206999" progId="Excel.Sheet.12">
                   <p:embed/>
                 </p:oleObj>
               </mc:Choice>
